--- a/documents/API Testing.pptx
+++ b/documents/API Testing.pptx
@@ -12,15 +12,16 @@
     <p:sldId id="261" r:id="rId6"/>
     <p:sldId id="262" r:id="rId7"/>
     <p:sldId id="263" r:id="rId8"/>
-    <p:sldId id="264" r:id="rId9"/>
-    <p:sldId id="265" r:id="rId10"/>
-    <p:sldId id="266" r:id="rId11"/>
-    <p:sldId id="267" r:id="rId12"/>
-    <p:sldId id="268" r:id="rId13"/>
-    <p:sldId id="271" r:id="rId14"/>
-    <p:sldId id="272" r:id="rId15"/>
-    <p:sldId id="273" r:id="rId16"/>
-    <p:sldId id="274" r:id="rId17"/>
+    <p:sldId id="275" r:id="rId9"/>
+    <p:sldId id="264" r:id="rId10"/>
+    <p:sldId id="265" r:id="rId11"/>
+    <p:sldId id="266" r:id="rId12"/>
+    <p:sldId id="267" r:id="rId13"/>
+    <p:sldId id="268" r:id="rId14"/>
+    <p:sldId id="271" r:id="rId15"/>
+    <p:sldId id="272" r:id="rId16"/>
+    <p:sldId id="273" r:id="rId17"/>
+    <p:sldId id="274" r:id="rId18"/>
   </p:sldIdLst>
   <p:sldSz cx="12192000" cy="6858000"/>
   <p:notesSz cx="6858000" cy="9144000"/>
@@ -318,7 +319,7 @@
           <a:p>
             <a:fld id="{F6D0D6D5-A1A0-4D4A-85D4-86081AAB827E}" type="datetimeFigureOut">
               <a:rPr lang="en-CA" smtClean="0"/>
-              <a:t>2017-03-28</a:t>
+              <a:t>2017-06-03</a:t>
             </a:fld>
             <a:endParaRPr lang="en-CA"/>
           </a:p>
@@ -754,7 +755,7 @@
           <a:p>
             <a:fld id="{F6D0D6D5-A1A0-4D4A-85D4-86081AAB827E}" type="datetimeFigureOut">
               <a:rPr lang="en-CA" smtClean="0"/>
-              <a:t>2017-03-28</a:t>
+              <a:t>2017-06-03</a:t>
             </a:fld>
             <a:endParaRPr lang="en-CA"/>
           </a:p>
@@ -1004,7 +1005,7 @@
           <a:p>
             <a:fld id="{F6D0D6D5-A1A0-4D4A-85D4-86081AAB827E}" type="datetimeFigureOut">
               <a:rPr lang="en-CA" smtClean="0"/>
-              <a:t>2017-03-28</a:t>
+              <a:t>2017-06-03</a:t>
             </a:fld>
             <a:endParaRPr lang="en-CA"/>
           </a:p>
@@ -1312,7 +1313,7 @@
           <a:p>
             <a:fld id="{F6D0D6D5-A1A0-4D4A-85D4-86081AAB827E}" type="datetimeFigureOut">
               <a:rPr lang="en-CA" smtClean="0"/>
-              <a:t>2017-03-28</a:t>
+              <a:t>2017-06-03</a:t>
             </a:fld>
             <a:endParaRPr lang="en-CA"/>
           </a:p>
@@ -1630,7 +1631,7 @@
           <a:p>
             <a:fld id="{F6D0D6D5-A1A0-4D4A-85D4-86081AAB827E}" type="datetimeFigureOut">
               <a:rPr lang="en-CA" smtClean="0"/>
-              <a:t>2017-03-28</a:t>
+              <a:t>2017-06-03</a:t>
             </a:fld>
             <a:endParaRPr lang="en-CA"/>
           </a:p>
@@ -1932,7 +1933,7 @@
           <a:p>
             <a:fld id="{F6D0D6D5-A1A0-4D4A-85D4-86081AAB827E}" type="datetimeFigureOut">
               <a:rPr lang="en-CA" smtClean="0"/>
-              <a:t>2017-03-28</a:t>
+              <a:t>2017-06-03</a:t>
             </a:fld>
             <a:endParaRPr lang="en-CA"/>
           </a:p>
@@ -2299,7 +2300,7 @@
           <a:p>
             <a:fld id="{F6D0D6D5-A1A0-4D4A-85D4-86081AAB827E}" type="datetimeFigureOut">
               <a:rPr lang="en-CA" smtClean="0"/>
-              <a:t>2017-03-28</a:t>
+              <a:t>2017-06-03</a:t>
             </a:fld>
             <a:endParaRPr lang="en-CA"/>
           </a:p>
@@ -2473,7 +2474,7 @@
           <a:p>
             <a:fld id="{F6D0D6D5-A1A0-4D4A-85D4-86081AAB827E}" type="datetimeFigureOut">
               <a:rPr lang="en-CA" smtClean="0"/>
-              <a:t>2017-03-28</a:t>
+              <a:t>2017-06-03</a:t>
             </a:fld>
             <a:endParaRPr lang="en-CA"/>
           </a:p>
@@ -2653,7 +2654,7 @@
           <a:p>
             <a:fld id="{F6D0D6D5-A1A0-4D4A-85D4-86081AAB827E}" type="datetimeFigureOut">
               <a:rPr lang="en-CA" smtClean="0"/>
-              <a:t>2017-03-28</a:t>
+              <a:t>2017-06-03</a:t>
             </a:fld>
             <a:endParaRPr lang="en-CA"/>
           </a:p>
@@ -2823,7 +2824,7 @@
           <a:p>
             <a:fld id="{F6D0D6D5-A1A0-4D4A-85D4-86081AAB827E}" type="datetimeFigureOut">
               <a:rPr lang="en-CA" smtClean="0"/>
-              <a:t>2017-03-28</a:t>
+              <a:t>2017-06-03</a:t>
             </a:fld>
             <a:endParaRPr lang="en-CA"/>
           </a:p>
@@ -3073,7 +3074,7 @@
           <a:p>
             <a:fld id="{F6D0D6D5-A1A0-4D4A-85D4-86081AAB827E}" type="datetimeFigureOut">
               <a:rPr lang="en-CA" smtClean="0"/>
-              <a:t>2017-03-28</a:t>
+              <a:t>2017-06-03</a:t>
             </a:fld>
             <a:endParaRPr lang="en-CA"/>
           </a:p>
@@ -3309,7 +3310,7 @@
           <a:p>
             <a:fld id="{F6D0D6D5-A1A0-4D4A-85D4-86081AAB827E}" type="datetimeFigureOut">
               <a:rPr lang="en-CA" smtClean="0"/>
-              <a:t>2017-03-28</a:t>
+              <a:t>2017-06-03</a:t>
             </a:fld>
             <a:endParaRPr lang="en-CA"/>
           </a:p>
@@ -3691,7 +3692,7 @@
           <a:p>
             <a:fld id="{F6D0D6D5-A1A0-4D4A-85D4-86081AAB827E}" type="datetimeFigureOut">
               <a:rPr lang="en-CA" smtClean="0"/>
-              <a:t>2017-03-28</a:t>
+              <a:t>2017-06-03</a:t>
             </a:fld>
             <a:endParaRPr lang="en-CA"/>
           </a:p>
@@ -3809,7 +3810,7 @@
           <a:p>
             <a:fld id="{F6D0D6D5-A1A0-4D4A-85D4-86081AAB827E}" type="datetimeFigureOut">
               <a:rPr lang="en-CA" smtClean="0"/>
-              <a:t>2017-03-28</a:t>
+              <a:t>2017-06-03</a:t>
             </a:fld>
             <a:endParaRPr lang="en-CA"/>
           </a:p>
@@ -3904,7 +3905,7 @@
           <a:p>
             <a:fld id="{F6D0D6D5-A1A0-4D4A-85D4-86081AAB827E}" type="datetimeFigureOut">
               <a:rPr lang="en-CA" smtClean="0"/>
-              <a:t>2017-03-28</a:t>
+              <a:t>2017-06-03</a:t>
             </a:fld>
             <a:endParaRPr lang="en-CA"/>
           </a:p>
@@ -4159,7 +4160,7 @@
           <a:p>
             <a:fld id="{F6D0D6D5-A1A0-4D4A-85D4-86081AAB827E}" type="datetimeFigureOut">
               <a:rPr lang="en-CA" smtClean="0"/>
-              <a:t>2017-03-28</a:t>
+              <a:t>2017-06-03</a:t>
             </a:fld>
             <a:endParaRPr lang="en-CA"/>
           </a:p>
@@ -4442,7 +4443,7 @@
           <a:p>
             <a:fld id="{F6D0D6D5-A1A0-4D4A-85D4-86081AAB827E}" type="datetimeFigureOut">
               <a:rPr lang="en-CA" smtClean="0"/>
-              <a:t>2017-03-28</a:t>
+              <a:t>2017-06-03</a:t>
             </a:fld>
             <a:endParaRPr lang="en-CA"/>
           </a:p>
@@ -4848,7 +4849,7 @@
           <a:p>
             <a:fld id="{F6D0D6D5-A1A0-4D4A-85D4-86081AAB827E}" type="datetimeFigureOut">
               <a:rPr lang="en-CA" smtClean="0"/>
-              <a:t>2017-03-28</a:t>
+              <a:t>2017-06-03</a:t>
             </a:fld>
             <a:endParaRPr lang="en-CA"/>
           </a:p>
@@ -5471,6 +5472,13 @@
   <p:clrMapOvr>
     <a:masterClrMapping/>
   </p:clrMapOvr>
+  <p:timing>
+    <p:tnLst>
+      <p:par>
+        <p:cTn id="1" dur="indefinite" restart="never" nodeType="tmRoot"/>
+      </p:par>
+    </p:tnLst>
+  </p:timing>
 </p:sld>
 </file>
 
@@ -5508,7 +5516,7 @@
           <a:p>
             <a:r>
               <a:rPr lang="en-US" dirty="0"/>
-              <a:t>Challenges of API Testing </a:t>
+              <a:t>Advantages of API Testing </a:t>
             </a:r>
             <a:endParaRPr lang="en-CA" dirty="0"/>
           </a:p>
@@ -5528,6 +5536,16 @@
         <p:txBody>
           <a:bodyPr/>
           <a:lstStyle/>
+          <a:p>
+            <a:r>
+              <a:rPr lang="en-US" b="1" u="sng" dirty="0"/>
+              <a:t>Advantages of API Testing</a:t>
+            </a:r>
+            <a:r>
+              <a:rPr lang="en-US" b="1" dirty="0"/>
+              <a:t>:-</a:t>
+            </a:r>
+          </a:p>
           <a:p>
             <a:endParaRPr lang="en-US" b="1" dirty="0"/>
           </a:p>
@@ -5537,14 +5555,9 @@
               <a:buChar char="Ø"/>
             </a:pPr>
             <a:r>
-              <a:rPr lang="en-US" dirty="0"/>
-              <a:t>Main challenges in API testing is </a:t>
-            </a:r>
-            <a:r>
               <a:rPr lang="en-US" b="1" dirty="0"/>
-              <a:t>Parameter Combination, Parameter Selection, and Call Sequencing</a:t>
-            </a:r>
-            <a:endParaRPr lang="en-US" dirty="0"/>
+              <a:t>Time Effective</a:t>
+            </a:r>
           </a:p>
           <a:p>
             <a:pPr>
@@ -5552,16 +5565,8 @@
               <a:buChar char="Ø"/>
             </a:pPr>
             <a:r>
-              <a:rPr lang="en-US" dirty="0"/>
-              <a:t>There is no GUI available </a:t>
-            </a:r>
-            <a:r>
               <a:rPr lang="en-US" b="1" dirty="0"/>
-              <a:t>to test the application which makes</a:t>
-            </a:r>
-            <a:r>
-              <a:rPr lang="en-US" dirty="0"/>
-              <a:t> difficult to give input values</a:t>
+              <a:t>Language Independent </a:t>
             </a:r>
           </a:p>
           <a:p>
@@ -5570,8 +5575,8 @@
               <a:buChar char="Ø"/>
             </a:pPr>
             <a:r>
-              <a:rPr lang="en-US" dirty="0"/>
-              <a:t>Parameters selection and categorization required to be known to the testers</a:t>
+              <a:rPr lang="en-US" b="1" dirty="0"/>
+              <a:t>Test Core Functionality</a:t>
             </a:r>
           </a:p>
           <a:p>
@@ -5580,27 +5585,42 @@
               <a:buChar char="Ø"/>
             </a:pPr>
             <a:r>
-              <a:rPr lang="en-US" dirty="0"/>
-              <a:t>Exception handling function </a:t>
-            </a:r>
-            <a:r>
               <a:rPr lang="en-US" b="1" dirty="0"/>
-              <a:t>needs to be tested</a:t>
-            </a:r>
-            <a:endParaRPr lang="en-US" dirty="0"/>
+              <a:t>Reduce Testing cost</a:t>
+            </a:r>
+          </a:p>
+          <a:p>
+            <a:pPr>
+              <a:buFont typeface="Wingdings" panose="05000000000000000000" pitchFamily="2" charset="2"/>
+              <a:buChar char="Ø"/>
+            </a:pPr>
+            <a:r>
+              <a:rPr lang="en-US" b="1" dirty="0"/>
+              <a:t>Reduced Risks</a:t>
+            </a:r>
+          </a:p>
+          <a:p>
+            <a:endParaRPr lang="en-CA" dirty="0"/>
           </a:p>
         </p:txBody>
       </p:sp>
     </p:spTree>
     <p:extLst>
       <p:ext uri="{BB962C8B-B14F-4D97-AF65-F5344CB8AC3E}">
-        <p14:creationId xmlns:p14="http://schemas.microsoft.com/office/powerpoint/2010/main" val="3320104175"/>
+        <p14:creationId xmlns:p14="http://schemas.microsoft.com/office/powerpoint/2010/main" val="1771531672"/>
       </p:ext>
     </p:extLst>
   </p:cSld>
   <p:clrMapOvr>
     <a:masterClrMapping/>
   </p:clrMapOvr>
+  <p:timing>
+    <p:tnLst>
+      <p:par>
+        <p:cTn id="1" dur="indefinite" restart="never" nodeType="tmRoot"/>
+      </p:par>
+    </p:tnLst>
+  </p:timing>
 </p:sld>
 </file>
 
@@ -5637,8 +5657,8 @@
           <a:lstStyle/>
           <a:p>
             <a:r>
-              <a:rPr lang="en-CA" b="1" dirty="0"/>
-              <a:t>Pairwise Testing</a:t>
+              <a:rPr lang="en-US" dirty="0"/>
+              <a:t>Challenges of API Testing </a:t>
             </a:r>
             <a:endParaRPr lang="en-CA" dirty="0"/>
           </a:p>
@@ -5659,32 +5679,85 @@
           <a:bodyPr/>
           <a:lstStyle/>
           <a:p>
-            <a:r>
-              <a:rPr lang="en-CA" dirty="0">
-                <a:hlinkClick r:id="rId2"/>
-              </a:rPr>
-              <a:t>http://www.pairwise.org/</a:t>
-            </a:r>
-            <a:endParaRPr lang="en-CA" dirty="0"/>
-          </a:p>
-          <a:p>
-            <a:r>
-              <a:rPr lang="en-CA" dirty="0"/>
-              <a:t>https://www.tutorialspoint.com/software_testing_dictionary/pairwise_testing.htm</a:t>
-            </a:r>
+            <a:endParaRPr lang="en-US" b="1" dirty="0"/>
+          </a:p>
+          <a:p>
+            <a:pPr>
+              <a:buFont typeface="Wingdings" panose="05000000000000000000" pitchFamily="2" charset="2"/>
+              <a:buChar char="Ø"/>
+            </a:pPr>
+            <a:r>
+              <a:rPr lang="en-US" dirty="0"/>
+              <a:t>Main challenges in API testing is </a:t>
+            </a:r>
+            <a:r>
+              <a:rPr lang="en-US" b="1" dirty="0"/>
+              <a:t>Parameter Combination, Parameter Selection, and Call Sequencing</a:t>
+            </a:r>
+            <a:endParaRPr lang="en-US" dirty="0"/>
+          </a:p>
+          <a:p>
+            <a:pPr>
+              <a:buFont typeface="Wingdings" panose="05000000000000000000" pitchFamily="2" charset="2"/>
+              <a:buChar char="Ø"/>
+            </a:pPr>
+            <a:r>
+              <a:rPr lang="en-US" dirty="0"/>
+              <a:t>There is no GUI available </a:t>
+            </a:r>
+            <a:r>
+              <a:rPr lang="en-US" b="1" dirty="0"/>
+              <a:t>to test the application which makes</a:t>
+            </a:r>
+            <a:r>
+              <a:rPr lang="en-US" dirty="0"/>
+              <a:t> difficult to give input values</a:t>
+            </a:r>
+          </a:p>
+          <a:p>
+            <a:pPr>
+              <a:buFont typeface="Wingdings" panose="05000000000000000000" pitchFamily="2" charset="2"/>
+              <a:buChar char="Ø"/>
+            </a:pPr>
+            <a:r>
+              <a:rPr lang="en-US" dirty="0"/>
+              <a:t>Parameters selection and categorization required to be known to the testers</a:t>
+            </a:r>
+          </a:p>
+          <a:p>
+            <a:pPr>
+              <a:buFont typeface="Wingdings" panose="05000000000000000000" pitchFamily="2" charset="2"/>
+              <a:buChar char="Ø"/>
+            </a:pPr>
+            <a:r>
+              <a:rPr lang="en-US" dirty="0"/>
+              <a:t>Exception handling function </a:t>
+            </a:r>
+            <a:r>
+              <a:rPr lang="en-US" b="1" dirty="0"/>
+              <a:t>needs to be tested</a:t>
+            </a:r>
+            <a:endParaRPr lang="en-US" dirty="0"/>
           </a:p>
         </p:txBody>
       </p:sp>
     </p:spTree>
     <p:extLst>
       <p:ext uri="{BB962C8B-B14F-4D97-AF65-F5344CB8AC3E}">
-        <p14:creationId xmlns:p14="http://schemas.microsoft.com/office/powerpoint/2010/main" val="1797663186"/>
+        <p14:creationId xmlns:p14="http://schemas.microsoft.com/office/powerpoint/2010/main" val="3320104175"/>
       </p:ext>
     </p:extLst>
   </p:cSld>
   <p:clrMapOvr>
     <a:masterClrMapping/>
   </p:clrMapOvr>
+  <p:timing>
+    <p:tnLst>
+      <p:par>
+        <p:cTn id="1" dur="indefinite" restart="never" nodeType="tmRoot"/>
+      </p:par>
+    </p:tnLst>
+  </p:timing>
 </p:sld>
 </file>
 
@@ -5722,6 +5795,97 @@
           <a:p>
             <a:r>
               <a:rPr lang="en-CA" b="1" dirty="0"/>
+              <a:t>Pairwise Testing</a:t>
+            </a:r>
+            <a:endParaRPr lang="en-CA" dirty="0"/>
+          </a:p>
+        </p:txBody>
+      </p:sp>
+      <p:sp>
+        <p:nvSpPr>
+          <p:cNvPr id="3" name="Content Placeholder 2"/>
+          <p:cNvSpPr>
+            <a:spLocks noGrp="1"/>
+          </p:cNvSpPr>
+          <p:nvPr>
+            <p:ph idx="1"/>
+          </p:nvPr>
+        </p:nvSpPr>
+        <p:spPr/>
+        <p:txBody>
+          <a:bodyPr/>
+          <a:lstStyle/>
+          <a:p>
+            <a:r>
+              <a:rPr lang="en-CA" dirty="0">
+                <a:hlinkClick r:id="rId2"/>
+              </a:rPr>
+              <a:t>http://www.pairwise.org/</a:t>
+            </a:r>
+            <a:endParaRPr lang="en-CA" dirty="0"/>
+          </a:p>
+          <a:p>
+            <a:r>
+              <a:rPr lang="en-CA" dirty="0"/>
+              <a:t>https://www.tutorialspoint.com/software_testing_dictionary/pairwise_testing.htm</a:t>
+            </a:r>
+          </a:p>
+        </p:txBody>
+      </p:sp>
+    </p:spTree>
+    <p:extLst>
+      <p:ext uri="{BB962C8B-B14F-4D97-AF65-F5344CB8AC3E}">
+        <p14:creationId xmlns:p14="http://schemas.microsoft.com/office/powerpoint/2010/main" val="1797663186"/>
+      </p:ext>
+    </p:extLst>
+  </p:cSld>
+  <p:clrMapOvr>
+    <a:masterClrMapping/>
+  </p:clrMapOvr>
+  <p:timing>
+    <p:tnLst>
+      <p:par>
+        <p:cTn id="1" dur="indefinite" restart="never" nodeType="tmRoot"/>
+      </p:par>
+    </p:tnLst>
+  </p:timing>
+</p:sld>
+</file>
+
+<file path=ppt/slides/slide13.xml><?xml version="1.0" encoding="utf-8"?>
+<p:sld xmlns:a="http://schemas.openxmlformats.org/drawingml/2006/main" xmlns:r="http://schemas.openxmlformats.org/officeDocument/2006/relationships" xmlns:p="http://schemas.openxmlformats.org/presentationml/2006/main">
+  <p:cSld>
+    <p:spTree>
+      <p:nvGrpSpPr>
+        <p:cNvPr id="1" name=""/>
+        <p:cNvGrpSpPr/>
+        <p:nvPr/>
+      </p:nvGrpSpPr>
+      <p:grpSpPr>
+        <a:xfrm>
+          <a:off x="0" y="0"/>
+          <a:ext cx="0" cy="0"/>
+          <a:chOff x="0" y="0"/>
+          <a:chExt cx="0" cy="0"/>
+        </a:xfrm>
+      </p:grpSpPr>
+      <p:sp>
+        <p:nvSpPr>
+          <p:cNvPr id="2" name="Title 1"/>
+          <p:cNvSpPr>
+            <a:spLocks noGrp="1"/>
+          </p:cNvSpPr>
+          <p:nvPr>
+            <p:ph type="title"/>
+          </p:nvPr>
+        </p:nvSpPr>
+        <p:spPr/>
+        <p:txBody>
+          <a:bodyPr/>
+          <a:lstStyle/>
+          <a:p>
+            <a:r>
+              <a:rPr lang="en-CA" b="1" dirty="0"/>
               <a:t>What is Pairwise Testing?</a:t>
             </a:r>
             <a:endParaRPr lang="en-CA" dirty="0"/>
@@ -5766,10 +5930,17 @@
   <p:clrMapOvr>
     <a:masterClrMapping/>
   </p:clrMapOvr>
+  <p:timing>
+    <p:tnLst>
+      <p:par>
+        <p:cTn id="1" dur="indefinite" restart="never" nodeType="tmRoot"/>
+      </p:par>
+    </p:tnLst>
+  </p:timing>
 </p:sld>
 </file>
 
-<file path=ppt/slides/slide13.xml><?xml version="1.0" encoding="utf-8"?>
+<file path=ppt/slides/slide14.xml><?xml version="1.0" encoding="utf-8"?>
 <p:sld xmlns:a="http://schemas.openxmlformats.org/drawingml/2006/main" xmlns:r="http://schemas.openxmlformats.org/officeDocument/2006/relationships" xmlns:p="http://schemas.openxmlformats.org/presentationml/2006/main">
   <p:cSld>
     <p:spTree>
@@ -5861,10 +6032,17 @@
   <p:clrMapOvr>
     <a:masterClrMapping/>
   </p:clrMapOvr>
+  <p:timing>
+    <p:tnLst>
+      <p:par>
+        <p:cTn id="1" dur="indefinite" restart="never" nodeType="tmRoot"/>
+      </p:par>
+    </p:tnLst>
+  </p:timing>
 </p:sld>
 </file>
 
-<file path=ppt/slides/slide14.xml><?xml version="1.0" encoding="utf-8"?>
+<file path=ppt/slides/slide15.xml><?xml version="1.0" encoding="utf-8"?>
 <p:sld xmlns:a="http://schemas.openxmlformats.org/drawingml/2006/main" xmlns:r="http://schemas.openxmlformats.org/officeDocument/2006/relationships" xmlns:p="http://schemas.openxmlformats.org/presentationml/2006/main">
   <p:cSld>
     <p:spTree>
@@ -5943,7 +6121,7 @@
 </p:sld>
 </file>
 
-<file path=ppt/slides/slide15.xml><?xml version="1.0" encoding="utf-8"?>
+<file path=ppt/slides/slide16.xml><?xml version="1.0" encoding="utf-8"?>
 <p:sld xmlns:a="http://schemas.openxmlformats.org/drawingml/2006/main" xmlns:r="http://schemas.openxmlformats.org/officeDocument/2006/relationships" xmlns:p="http://schemas.openxmlformats.org/presentationml/2006/main">
   <p:cSld>
     <p:spTree>
@@ -6021,7 +6199,7 @@
 </p:sld>
 </file>
 
-<file path=ppt/slides/slide16.xml><?xml version="1.0" encoding="utf-8"?>
+<file path=ppt/slides/slide17.xml><?xml version="1.0" encoding="utf-8"?>
 <p:sld xmlns:a="http://schemas.openxmlformats.org/drawingml/2006/main" xmlns:r="http://schemas.openxmlformats.org/officeDocument/2006/relationships" xmlns:p="http://schemas.openxmlformats.org/presentationml/2006/main">
   <p:cSld>
     <p:spTree>
@@ -6277,6 +6455,13 @@
   <p:clrMapOvr>
     <a:masterClrMapping/>
   </p:clrMapOvr>
+  <p:timing>
+    <p:tnLst>
+      <p:par>
+        <p:cTn id="1" dur="indefinite" restart="never" nodeType="tmRoot"/>
+      </p:par>
+    </p:tnLst>
+  </p:timing>
 </p:sld>
 </file>
 
@@ -6414,6 +6599,13 @@
   <p:clrMapOvr>
     <a:masterClrMapping/>
   </p:clrMapOvr>
+  <p:timing>
+    <p:tnLst>
+      <p:par>
+        <p:cTn id="1" dur="indefinite" restart="never" nodeType="tmRoot"/>
+      </p:par>
+    </p:tnLst>
+  </p:timing>
 </p:sld>
 </file>
 
@@ -7497,6 +7689,13 @@
   <p:clrMapOvr>
     <a:masterClrMapping/>
   </p:clrMapOvr>
+  <p:timing>
+    <p:tnLst>
+      <p:par>
+        <p:cTn id="1" dur="indefinite" restart="never" nodeType="tmRoot"/>
+      </p:par>
+    </p:tnLst>
+  </p:timing>
 </p:sld>
 </file>
 
@@ -7630,6 +7829,13 @@
   <p:clrMapOvr>
     <a:masterClrMapping/>
   </p:clrMapOvr>
+  <p:timing>
+    <p:tnLst>
+      <p:par>
+        <p:cTn id="1" dur="indefinite" restart="never" nodeType="tmRoot"/>
+      </p:par>
+    </p:tnLst>
+  </p:timing>
 </p:sld>
 </file>
 
@@ -7785,6 +7991,13 @@
   <p:clrMapOvr>
     <a:masterClrMapping/>
   </p:clrMapOvr>
+  <p:timing>
+    <p:tnLst>
+      <p:par>
+        <p:cTn id="1" dur="indefinite" restart="never" nodeType="tmRoot"/>
+      </p:par>
+    </p:tnLst>
+  </p:timing>
 </p:sld>
 </file>
 
@@ -7821,113 +8034,101 @@
           <a:lstStyle/>
           <a:p>
             <a:r>
+              <a:rPr lang="en-US" altLang="zh-CN" dirty="0" smtClean="0"/>
+              <a:t>Tools</a:t>
+            </a:r>
+            <a:endParaRPr lang="en-US" dirty="0"/>
+          </a:p>
+        </p:txBody>
+      </p:sp>
+      <p:sp>
+        <p:nvSpPr>
+          <p:cNvPr id="3" name="Content Placeholder 2"/>
+          <p:cNvSpPr>
+            <a:spLocks noGrp="1"/>
+          </p:cNvSpPr>
+          <p:nvPr>
+            <p:ph idx="1"/>
+          </p:nvPr>
+        </p:nvSpPr>
+        <p:spPr/>
+        <p:txBody>
+          <a:bodyPr/>
+          <a:lstStyle/>
+          <a:p>
+            <a:r>
+              <a:rPr lang="en-US" altLang="zh-CN" dirty="0" smtClean="0"/>
+              <a:t>Postman</a:t>
+            </a:r>
+          </a:p>
+          <a:p>
+            <a:pPr lvl="1"/>
+            <a:r>
+              <a:rPr lang="en-US" altLang="zh-CN" dirty="0"/>
+              <a:t>https://</a:t>
+            </a:r>
+            <a:r>
+              <a:rPr lang="en-US" altLang="zh-CN" dirty="0" err="1"/>
+              <a:t>www.getpostman.com</a:t>
+            </a:r>
+            <a:r>
+              <a:rPr lang="en-US" altLang="zh-CN" dirty="0"/>
+              <a:t>/</a:t>
+            </a:r>
+            <a:endParaRPr lang="en-US" altLang="zh-CN" dirty="0" smtClean="0"/>
+          </a:p>
+          <a:p>
+            <a:r>
+              <a:rPr lang="en-US" altLang="zh-CN" dirty="0" err="1" smtClean="0"/>
+              <a:t>Jsonview</a:t>
+            </a:r>
+            <a:endParaRPr lang="en-US" altLang="zh-CN" dirty="0" smtClean="0"/>
+          </a:p>
+          <a:p>
+            <a:r>
+              <a:rPr lang="en-US" altLang="zh-CN" dirty="0" err="1" smtClean="0"/>
+              <a:t>RestAssured</a:t>
+            </a:r>
+            <a:endParaRPr lang="en-US" altLang="zh-CN" dirty="0" smtClean="0"/>
+          </a:p>
+          <a:p>
+            <a:endParaRPr lang="en-US" dirty="0"/>
+          </a:p>
+          <a:p>
+            <a:r>
+              <a:rPr lang="en-US" altLang="zh-CN" dirty="0" smtClean="0"/>
+              <a:t>Sample</a:t>
+            </a:r>
+            <a:r>
+              <a:rPr lang="zh-CN" altLang="en-US" dirty="0" smtClean="0"/>
+              <a:t> </a:t>
+            </a:r>
+            <a:r>
+              <a:rPr lang="en-US" altLang="zh-CN" dirty="0" smtClean="0"/>
+              <a:t>API</a:t>
+            </a:r>
+          </a:p>
+          <a:p>
+            <a:pPr lvl="1"/>
+            <a:r>
               <a:rPr lang="en-US" dirty="0"/>
-              <a:t>Common Types of Tests in API Testing </a:t>
-            </a:r>
-            <a:endParaRPr lang="en-CA" dirty="0"/>
-          </a:p>
-        </p:txBody>
-      </p:sp>
-      <p:sp>
-        <p:nvSpPr>
-          <p:cNvPr id="3" name="Content Placeholder 2"/>
-          <p:cNvSpPr>
-            <a:spLocks noGrp="1"/>
-          </p:cNvSpPr>
-          <p:nvPr>
-            <p:ph idx="1"/>
-          </p:nvPr>
-        </p:nvSpPr>
-        <p:spPr/>
-        <p:txBody>
-          <a:bodyPr>
-            <a:normAutofit/>
-          </a:bodyPr>
-          <a:lstStyle/>
-          <a:p>
-            <a:pPr>
-              <a:buFont typeface="Wingdings" panose="05000000000000000000" pitchFamily="2" charset="2"/>
-              <a:buChar char="Ø"/>
-            </a:pPr>
-            <a:r>
-              <a:rPr lang="en-US" b="1" dirty="0"/>
-              <a:t>Verify if API doesn’t return any response.</a:t>
-            </a:r>
-          </a:p>
-          <a:p>
-            <a:pPr>
-              <a:buFont typeface="Wingdings" panose="05000000000000000000" pitchFamily="2" charset="2"/>
-              <a:buChar char="Ø"/>
-            </a:pPr>
-            <a:r>
-              <a:rPr lang="en-US" b="1" dirty="0"/>
-              <a:t>Based on input request, return request should be checked.</a:t>
-            </a:r>
-          </a:p>
-          <a:p>
-            <a:pPr>
-              <a:buFont typeface="Wingdings" panose="05000000000000000000" pitchFamily="2" charset="2"/>
-              <a:buChar char="Ø"/>
-            </a:pPr>
-            <a:r>
-              <a:rPr lang="en-US" b="1" dirty="0"/>
-              <a:t>Verification of the API whether it triggers some other event or calls another API</a:t>
-            </a:r>
-          </a:p>
-          <a:p>
-            <a:pPr>
-              <a:buFont typeface="Wingdings" panose="05000000000000000000" pitchFamily="2" charset="2"/>
-              <a:buChar char="Ø"/>
-            </a:pPr>
-            <a:r>
-              <a:rPr lang="en-US" b="1" dirty="0"/>
-              <a:t>Verification of the API whether it is updating any data structure</a:t>
-            </a:r>
-          </a:p>
-          <a:p>
-            <a:pPr>
-              <a:buFont typeface="Wingdings" panose="05000000000000000000" pitchFamily="2" charset="2"/>
-              <a:buChar char="Ø"/>
-            </a:pPr>
-            <a:r>
-              <a:rPr lang="en-US" b="1" dirty="0"/>
-              <a:t>Delayed in API Response time</a:t>
-            </a:r>
-          </a:p>
-          <a:p>
-            <a:pPr>
-              <a:buFont typeface="Wingdings" panose="05000000000000000000" pitchFamily="2" charset="2"/>
-              <a:buChar char="Ø"/>
-            </a:pPr>
-            <a:r>
-              <a:rPr lang="en-US" b="1" dirty="0"/>
-              <a:t>Response Data is not structured</a:t>
-            </a:r>
-          </a:p>
-          <a:p>
-            <a:pPr>
-              <a:buFont typeface="Wingdings" panose="05000000000000000000" pitchFamily="2" charset="2"/>
-              <a:buChar char="Ø"/>
-            </a:pPr>
-            <a:r>
-              <a:rPr lang="en-US" b="1" dirty="0"/>
-              <a:t>Difficulty in connecting and getting response from API</a:t>
-            </a:r>
-            <a:endParaRPr lang="en-CA" dirty="0"/>
-          </a:p>
-          <a:p>
-            <a:pPr>
-              <a:buFont typeface="Wingdings" panose="05000000000000000000" pitchFamily="2" charset="2"/>
-              <a:buChar char="Ø"/>
-            </a:pPr>
-            <a:endParaRPr lang="en-US" b="1" dirty="0"/>
+              <a:t>https://</a:t>
+            </a:r>
+            <a:r>
+              <a:rPr lang="en-US" dirty="0" err="1"/>
+              <a:t>developer.yahoo.com</a:t>
+            </a:r>
+            <a:r>
+              <a:rPr lang="en-US" dirty="0"/>
+              <a:t>/weather/</a:t>
+            </a:r>
           </a:p>
         </p:txBody>
       </p:sp>
     </p:spTree>
     <p:extLst>
       <p:ext uri="{BB962C8B-B14F-4D97-AF65-F5344CB8AC3E}">
-        <p14:creationId xmlns:p14="http://schemas.microsoft.com/office/powerpoint/2010/main" val="461365822"/>
+        <p14:creationId xmlns:p14="http://schemas.microsoft.com/office/powerpoint/2010/main" val="1991767771"/>
       </p:ext>
     </p:extLst>
   </p:cSld>
@@ -7971,7 +8172,7 @@
           <a:p>
             <a:r>
               <a:rPr lang="en-US" dirty="0"/>
-              <a:t>Advantages of API Testing </a:t>
+              <a:t>Common Types of Tests in API Testing </a:t>
             </a:r>
             <a:endParaRPr lang="en-CA" dirty="0"/>
           </a:p>
@@ -7989,21 +8190,10 @@
         </p:nvSpPr>
         <p:spPr/>
         <p:txBody>
-          <a:bodyPr/>
-          <a:lstStyle/>
-          <a:p>
-            <a:r>
-              <a:rPr lang="en-US" b="1" u="sng" dirty="0"/>
-              <a:t>Advantages of API Testing</a:t>
-            </a:r>
-            <a:r>
-              <a:rPr lang="en-US" b="1" dirty="0"/>
-              <a:t>:-</a:t>
-            </a:r>
-          </a:p>
-          <a:p>
-            <a:endParaRPr lang="en-US" b="1" dirty="0"/>
-          </a:p>
+          <a:bodyPr>
+            <a:normAutofit/>
+          </a:bodyPr>
+          <a:lstStyle/>
           <a:p>
             <a:pPr>
               <a:buFont typeface="Wingdings" panose="05000000000000000000" pitchFamily="2" charset="2"/>
@@ -8011,7 +8201,7 @@
             </a:pPr>
             <a:r>
               <a:rPr lang="en-US" b="1" dirty="0"/>
-              <a:t>Time Effective</a:t>
+              <a:t>Verify if API doesn’t return any response.</a:t>
             </a:r>
           </a:p>
           <a:p>
@@ -8021,7 +8211,7 @@
             </a:pPr>
             <a:r>
               <a:rPr lang="en-US" b="1" dirty="0"/>
-              <a:t>Language Independent </a:t>
+              <a:t>Based on input request, return request should be checked.</a:t>
             </a:r>
           </a:p>
           <a:p>
@@ -8031,7 +8221,7 @@
             </a:pPr>
             <a:r>
               <a:rPr lang="en-US" b="1" dirty="0"/>
-              <a:t>Test Core Functionality</a:t>
+              <a:t>Verification of the API whether it triggers some other event or calls another API</a:t>
             </a:r>
           </a:p>
           <a:p>
@@ -8041,7 +8231,7 @@
             </a:pPr>
             <a:r>
               <a:rPr lang="en-US" b="1" dirty="0"/>
-              <a:t>Reduce Testing cost</a:t>
+              <a:t>Verification of the API whether it is updating any data structure</a:t>
             </a:r>
           </a:p>
           <a:p>
@@ -8051,24 +8241,56 @@
             </a:pPr>
             <a:r>
               <a:rPr lang="en-US" b="1" dirty="0"/>
-              <a:t>Reduced Risks</a:t>
-            </a:r>
-          </a:p>
-          <a:p>
+              <a:t>Delayed in API Response time</a:t>
+            </a:r>
+          </a:p>
+          <a:p>
+            <a:pPr>
+              <a:buFont typeface="Wingdings" panose="05000000000000000000" pitchFamily="2" charset="2"/>
+              <a:buChar char="Ø"/>
+            </a:pPr>
+            <a:r>
+              <a:rPr lang="en-US" b="1" dirty="0"/>
+              <a:t>Response Data is not structured</a:t>
+            </a:r>
+          </a:p>
+          <a:p>
+            <a:pPr>
+              <a:buFont typeface="Wingdings" panose="05000000000000000000" pitchFamily="2" charset="2"/>
+              <a:buChar char="Ø"/>
+            </a:pPr>
+            <a:r>
+              <a:rPr lang="en-US" b="1" dirty="0"/>
+              <a:t>Difficulty in connecting and getting response from API</a:t>
+            </a:r>
             <a:endParaRPr lang="en-CA" dirty="0"/>
+          </a:p>
+          <a:p>
+            <a:pPr>
+              <a:buFont typeface="Wingdings" panose="05000000000000000000" pitchFamily="2" charset="2"/>
+              <a:buChar char="Ø"/>
+            </a:pPr>
+            <a:endParaRPr lang="en-US" b="1" dirty="0"/>
           </a:p>
         </p:txBody>
       </p:sp>
     </p:spTree>
     <p:extLst>
       <p:ext uri="{BB962C8B-B14F-4D97-AF65-F5344CB8AC3E}">
-        <p14:creationId xmlns:p14="http://schemas.microsoft.com/office/powerpoint/2010/main" val="1771531672"/>
+        <p14:creationId xmlns:p14="http://schemas.microsoft.com/office/powerpoint/2010/main" val="461365822"/>
       </p:ext>
     </p:extLst>
   </p:cSld>
   <p:clrMapOvr>
     <a:masterClrMapping/>
   </p:clrMapOvr>
+  <p:timing>
+    <p:tnLst>
+      <p:par>
+        <p:cTn id="1" dur="indefinite" restart="never" nodeType="tmRoot"/>
+      </p:par>
+    </p:tnLst>
+  </p:timing>
 </p:sld>
 </file>
 

--- a/documents/API Testing.pptx
+++ b/documents/API Testing.pptx
@@ -16,12 +16,13 @@
     <p:sldId id="264" r:id="rId10"/>
     <p:sldId id="265" r:id="rId11"/>
     <p:sldId id="266" r:id="rId12"/>
-    <p:sldId id="267" r:id="rId13"/>
-    <p:sldId id="268" r:id="rId14"/>
-    <p:sldId id="271" r:id="rId15"/>
-    <p:sldId id="272" r:id="rId16"/>
-    <p:sldId id="273" r:id="rId17"/>
-    <p:sldId id="274" r:id="rId18"/>
+    <p:sldId id="276" r:id="rId13"/>
+    <p:sldId id="267" r:id="rId14"/>
+    <p:sldId id="268" r:id="rId15"/>
+    <p:sldId id="271" r:id="rId16"/>
+    <p:sldId id="272" r:id="rId17"/>
+    <p:sldId id="273" r:id="rId18"/>
+    <p:sldId id="274" r:id="rId19"/>
   </p:sldIdLst>
   <p:sldSz cx="12192000" cy="6858000"/>
   <p:notesSz cx="6858000" cy="9144000"/>
@@ -319,7 +320,7 @@
           <a:p>
             <a:fld id="{F6D0D6D5-A1A0-4D4A-85D4-86081AAB827E}" type="datetimeFigureOut">
               <a:rPr lang="en-CA" smtClean="0"/>
-              <a:t>2017-06-03</a:t>
+              <a:t>2017-09-16</a:t>
             </a:fld>
             <a:endParaRPr lang="en-CA"/>
           </a:p>
@@ -755,7 +756,7 @@
           <a:p>
             <a:fld id="{F6D0D6D5-A1A0-4D4A-85D4-86081AAB827E}" type="datetimeFigureOut">
               <a:rPr lang="en-CA" smtClean="0"/>
-              <a:t>2017-06-03</a:t>
+              <a:t>2017-09-16</a:t>
             </a:fld>
             <a:endParaRPr lang="en-CA"/>
           </a:p>
@@ -1005,7 +1006,7 @@
           <a:p>
             <a:fld id="{F6D0D6D5-A1A0-4D4A-85D4-86081AAB827E}" type="datetimeFigureOut">
               <a:rPr lang="en-CA" smtClean="0"/>
-              <a:t>2017-06-03</a:t>
+              <a:t>2017-09-16</a:t>
             </a:fld>
             <a:endParaRPr lang="en-CA"/>
           </a:p>
@@ -1313,7 +1314,7 @@
           <a:p>
             <a:fld id="{F6D0D6D5-A1A0-4D4A-85D4-86081AAB827E}" type="datetimeFigureOut">
               <a:rPr lang="en-CA" smtClean="0"/>
-              <a:t>2017-06-03</a:t>
+              <a:t>2017-09-16</a:t>
             </a:fld>
             <a:endParaRPr lang="en-CA"/>
           </a:p>
@@ -1631,7 +1632,7 @@
           <a:p>
             <a:fld id="{F6D0D6D5-A1A0-4D4A-85D4-86081AAB827E}" type="datetimeFigureOut">
               <a:rPr lang="en-CA" smtClean="0"/>
-              <a:t>2017-06-03</a:t>
+              <a:t>2017-09-16</a:t>
             </a:fld>
             <a:endParaRPr lang="en-CA"/>
           </a:p>
@@ -1933,7 +1934,7 @@
           <a:p>
             <a:fld id="{F6D0D6D5-A1A0-4D4A-85D4-86081AAB827E}" type="datetimeFigureOut">
               <a:rPr lang="en-CA" smtClean="0"/>
-              <a:t>2017-06-03</a:t>
+              <a:t>2017-09-16</a:t>
             </a:fld>
             <a:endParaRPr lang="en-CA"/>
           </a:p>
@@ -2300,7 +2301,7 @@
           <a:p>
             <a:fld id="{F6D0D6D5-A1A0-4D4A-85D4-86081AAB827E}" type="datetimeFigureOut">
               <a:rPr lang="en-CA" smtClean="0"/>
-              <a:t>2017-06-03</a:t>
+              <a:t>2017-09-16</a:t>
             </a:fld>
             <a:endParaRPr lang="en-CA"/>
           </a:p>
@@ -2474,7 +2475,7 @@
           <a:p>
             <a:fld id="{F6D0D6D5-A1A0-4D4A-85D4-86081AAB827E}" type="datetimeFigureOut">
               <a:rPr lang="en-CA" smtClean="0"/>
-              <a:t>2017-06-03</a:t>
+              <a:t>2017-09-16</a:t>
             </a:fld>
             <a:endParaRPr lang="en-CA"/>
           </a:p>
@@ -2654,7 +2655,7 @@
           <a:p>
             <a:fld id="{F6D0D6D5-A1A0-4D4A-85D4-86081AAB827E}" type="datetimeFigureOut">
               <a:rPr lang="en-CA" smtClean="0"/>
-              <a:t>2017-06-03</a:t>
+              <a:t>2017-09-16</a:t>
             </a:fld>
             <a:endParaRPr lang="en-CA"/>
           </a:p>
@@ -2824,7 +2825,7 @@
           <a:p>
             <a:fld id="{F6D0D6D5-A1A0-4D4A-85D4-86081AAB827E}" type="datetimeFigureOut">
               <a:rPr lang="en-CA" smtClean="0"/>
-              <a:t>2017-06-03</a:t>
+              <a:t>2017-09-16</a:t>
             </a:fld>
             <a:endParaRPr lang="en-CA"/>
           </a:p>
@@ -3074,7 +3075,7 @@
           <a:p>
             <a:fld id="{F6D0D6D5-A1A0-4D4A-85D4-86081AAB827E}" type="datetimeFigureOut">
               <a:rPr lang="en-CA" smtClean="0"/>
-              <a:t>2017-06-03</a:t>
+              <a:t>2017-09-16</a:t>
             </a:fld>
             <a:endParaRPr lang="en-CA"/>
           </a:p>
@@ -3310,7 +3311,7 @@
           <a:p>
             <a:fld id="{F6D0D6D5-A1A0-4D4A-85D4-86081AAB827E}" type="datetimeFigureOut">
               <a:rPr lang="en-CA" smtClean="0"/>
-              <a:t>2017-06-03</a:t>
+              <a:t>2017-09-16</a:t>
             </a:fld>
             <a:endParaRPr lang="en-CA"/>
           </a:p>
@@ -3692,7 +3693,7 @@
           <a:p>
             <a:fld id="{F6D0D6D5-A1A0-4D4A-85D4-86081AAB827E}" type="datetimeFigureOut">
               <a:rPr lang="en-CA" smtClean="0"/>
-              <a:t>2017-06-03</a:t>
+              <a:t>2017-09-16</a:t>
             </a:fld>
             <a:endParaRPr lang="en-CA"/>
           </a:p>
@@ -3810,7 +3811,7 @@
           <a:p>
             <a:fld id="{F6D0D6D5-A1A0-4D4A-85D4-86081AAB827E}" type="datetimeFigureOut">
               <a:rPr lang="en-CA" smtClean="0"/>
-              <a:t>2017-06-03</a:t>
+              <a:t>2017-09-16</a:t>
             </a:fld>
             <a:endParaRPr lang="en-CA"/>
           </a:p>
@@ -3905,7 +3906,7 @@
           <a:p>
             <a:fld id="{F6D0D6D5-A1A0-4D4A-85D4-86081AAB827E}" type="datetimeFigureOut">
               <a:rPr lang="en-CA" smtClean="0"/>
-              <a:t>2017-06-03</a:t>
+              <a:t>2017-09-16</a:t>
             </a:fld>
             <a:endParaRPr lang="en-CA"/>
           </a:p>
@@ -4160,7 +4161,7 @@
           <a:p>
             <a:fld id="{F6D0D6D5-A1A0-4D4A-85D4-86081AAB827E}" type="datetimeFigureOut">
               <a:rPr lang="en-CA" smtClean="0"/>
-              <a:t>2017-06-03</a:t>
+              <a:t>2017-09-16</a:t>
             </a:fld>
             <a:endParaRPr lang="en-CA"/>
           </a:p>
@@ -4443,7 +4444,7 @@
           <a:p>
             <a:fld id="{F6D0D6D5-A1A0-4D4A-85D4-86081AAB827E}" type="datetimeFigureOut">
               <a:rPr lang="en-CA" smtClean="0"/>
-              <a:t>2017-06-03</a:t>
+              <a:t>2017-09-16</a:t>
             </a:fld>
             <a:endParaRPr lang="en-CA"/>
           </a:p>
@@ -4849,7 +4850,7 @@
           <a:p>
             <a:fld id="{F6D0D6D5-A1A0-4D4A-85D4-86081AAB827E}" type="datetimeFigureOut">
               <a:rPr lang="en-CA" smtClean="0"/>
-              <a:t>2017-06-03</a:t>
+              <a:t>2017-09-16</a:t>
             </a:fld>
             <a:endParaRPr lang="en-CA"/>
           </a:p>
@@ -5794,10 +5795,14 @@
           <a:lstStyle/>
           <a:p>
             <a:r>
-              <a:rPr lang="en-CA" b="1" dirty="0"/>
-              <a:t>Pairwise Testing</a:t>
-            </a:r>
-            <a:endParaRPr lang="en-CA" dirty="0"/>
+              <a:rPr lang="en-US" dirty="0" smtClean="0"/>
+              <a:t>Rest </a:t>
+            </a:r>
+            <a:r>
+              <a:rPr lang="en-US" dirty="0" err="1" smtClean="0"/>
+              <a:t>aSSURED</a:t>
+            </a:r>
+            <a:endParaRPr lang="en-US" dirty="0"/>
           </a:p>
         </p:txBody>
       </p:sp>
@@ -5817,17 +5822,108 @@
           <a:lstStyle/>
           <a:p>
             <a:r>
-              <a:rPr lang="en-CA" dirty="0">
-                <a:hlinkClick r:id="rId2"/>
-              </a:rPr>
-              <a:t>http://www.pairwise.org/</a:t>
-            </a:r>
-            <a:endParaRPr lang="en-CA" dirty="0"/>
-          </a:p>
-          <a:p>
-            <a:r>
-              <a:rPr lang="en-CA" dirty="0"/>
-              <a:t>https://www.tutorialspoint.com/software_testing_dictionary/pairwise_testing.htm</a:t>
+              <a:rPr lang="en-US" dirty="0"/>
+              <a:t> given</a:t>
+            </a:r>
+            <a:r>
+              <a:rPr lang="en-US" dirty="0" smtClean="0"/>
+              <a:t>().</a:t>
+            </a:r>
+          </a:p>
+          <a:p>
+            <a:pPr lvl="1"/>
+            <a:r>
+              <a:rPr lang="en-US" dirty="0" smtClean="0"/>
+              <a:t>	</a:t>
+            </a:r>
+            <a:r>
+              <a:rPr lang="en-US" dirty="0" err="1" smtClean="0"/>
+              <a:t>param</a:t>
+            </a:r>
+            <a:r>
+              <a:rPr lang="en-US" dirty="0"/>
+              <a:t>("x", "y"). </a:t>
+            </a:r>
+            <a:endParaRPr lang="en-US" dirty="0" smtClean="0"/>
+          </a:p>
+          <a:p>
+            <a:pPr lvl="1"/>
+            <a:r>
+              <a:rPr lang="en-US" dirty="0" smtClean="0"/>
+              <a:t>header</a:t>
+            </a:r>
+            <a:r>
+              <a:rPr lang="en-US" dirty="0"/>
+              <a:t>("z", "w"). </a:t>
+            </a:r>
+            <a:endParaRPr lang="en-US" dirty="0" smtClean="0"/>
+          </a:p>
+          <a:p>
+            <a:r>
+              <a:rPr lang="en-US" dirty="0" smtClean="0"/>
+              <a:t>when</a:t>
+            </a:r>
+            <a:r>
+              <a:rPr lang="en-US" dirty="0"/>
+              <a:t>(). </a:t>
+            </a:r>
+            <a:endParaRPr lang="en-US" dirty="0" smtClean="0"/>
+          </a:p>
+          <a:p>
+            <a:pPr lvl="1"/>
+            <a:r>
+              <a:rPr lang="en-US" dirty="0" smtClean="0"/>
+              <a:t>get</a:t>
+            </a:r>
+            <a:r>
+              <a:rPr lang="en-US" dirty="0"/>
+              <a:t>("/something</a:t>
+            </a:r>
+            <a:r>
+              <a:rPr lang="en-US" dirty="0" smtClean="0"/>
+              <a:t>").</a:t>
+            </a:r>
+          </a:p>
+          <a:p>
+            <a:r>
+              <a:rPr lang="en-US" dirty="0" smtClean="0"/>
+              <a:t> </a:t>
+            </a:r>
+            <a:r>
+              <a:rPr lang="en-US" dirty="0"/>
+              <a:t>then(). </a:t>
+            </a:r>
+            <a:endParaRPr lang="en-US" dirty="0" smtClean="0"/>
+          </a:p>
+          <a:p>
+            <a:pPr lvl="1"/>
+            <a:r>
+              <a:rPr lang="en-US" dirty="0" err="1" smtClean="0"/>
+              <a:t>statusCode</a:t>
+            </a:r>
+            <a:r>
+              <a:rPr lang="en-US" dirty="0" smtClean="0"/>
+              <a:t>(200</a:t>
+            </a:r>
+            <a:r>
+              <a:rPr lang="en-US" dirty="0"/>
+              <a:t>). body("</a:t>
+            </a:r>
+            <a:r>
+              <a:rPr lang="en-US" dirty="0" err="1"/>
+              <a:t>x.y</a:t>
+            </a:r>
+            <a:r>
+              <a:rPr lang="en-US" dirty="0"/>
+              <a:t>", </a:t>
+            </a:r>
+            <a:r>
+              <a:rPr lang="en-US" dirty="0" err="1"/>
+              <a:t>equalTo</a:t>
+            </a:r>
+            <a:r>
+              <a:rPr lang="en-US" dirty="0"/>
+              <a:t>("z"));</a:t>
             </a:r>
           </a:p>
         </p:txBody>
@@ -5835,7 +5931,7 @@
     </p:spTree>
     <p:extLst>
       <p:ext uri="{BB962C8B-B14F-4D97-AF65-F5344CB8AC3E}">
-        <p14:creationId xmlns:p14="http://schemas.microsoft.com/office/powerpoint/2010/main" val="1797663186"/>
+        <p14:creationId xmlns:p14="http://schemas.microsoft.com/office/powerpoint/2010/main" val="499272633"/>
       </p:ext>
     </p:extLst>
   </p:cSld>
@@ -5886,6 +5982,97 @@
           <a:p>
             <a:r>
               <a:rPr lang="en-CA" b="1" dirty="0"/>
+              <a:t>Pairwise Testing</a:t>
+            </a:r>
+            <a:endParaRPr lang="en-CA" dirty="0"/>
+          </a:p>
+        </p:txBody>
+      </p:sp>
+      <p:sp>
+        <p:nvSpPr>
+          <p:cNvPr id="3" name="Content Placeholder 2"/>
+          <p:cNvSpPr>
+            <a:spLocks noGrp="1"/>
+          </p:cNvSpPr>
+          <p:nvPr>
+            <p:ph idx="1"/>
+          </p:nvPr>
+        </p:nvSpPr>
+        <p:spPr/>
+        <p:txBody>
+          <a:bodyPr/>
+          <a:lstStyle/>
+          <a:p>
+            <a:r>
+              <a:rPr lang="en-CA" dirty="0">
+                <a:hlinkClick r:id="rId2"/>
+              </a:rPr>
+              <a:t>http://www.pairwise.org/</a:t>
+            </a:r>
+            <a:endParaRPr lang="en-CA" dirty="0"/>
+          </a:p>
+          <a:p>
+            <a:r>
+              <a:rPr lang="en-CA" dirty="0"/>
+              <a:t>https://www.tutorialspoint.com/software_testing_dictionary/pairwise_testing.htm</a:t>
+            </a:r>
+          </a:p>
+        </p:txBody>
+      </p:sp>
+    </p:spTree>
+    <p:extLst>
+      <p:ext uri="{BB962C8B-B14F-4D97-AF65-F5344CB8AC3E}">
+        <p14:creationId xmlns:p14="http://schemas.microsoft.com/office/powerpoint/2010/main" val="1797663186"/>
+      </p:ext>
+    </p:extLst>
+  </p:cSld>
+  <p:clrMapOvr>
+    <a:masterClrMapping/>
+  </p:clrMapOvr>
+  <p:timing>
+    <p:tnLst>
+      <p:par>
+        <p:cTn id="1" dur="indefinite" restart="never" nodeType="tmRoot"/>
+      </p:par>
+    </p:tnLst>
+  </p:timing>
+</p:sld>
+</file>
+
+<file path=ppt/slides/slide14.xml><?xml version="1.0" encoding="utf-8"?>
+<p:sld xmlns:a="http://schemas.openxmlformats.org/drawingml/2006/main" xmlns:r="http://schemas.openxmlformats.org/officeDocument/2006/relationships" xmlns:p="http://schemas.openxmlformats.org/presentationml/2006/main">
+  <p:cSld>
+    <p:spTree>
+      <p:nvGrpSpPr>
+        <p:cNvPr id="1" name=""/>
+        <p:cNvGrpSpPr/>
+        <p:nvPr/>
+      </p:nvGrpSpPr>
+      <p:grpSpPr>
+        <a:xfrm>
+          <a:off x="0" y="0"/>
+          <a:ext cx="0" cy="0"/>
+          <a:chOff x="0" y="0"/>
+          <a:chExt cx="0" cy="0"/>
+        </a:xfrm>
+      </p:grpSpPr>
+      <p:sp>
+        <p:nvSpPr>
+          <p:cNvPr id="2" name="Title 1"/>
+          <p:cNvSpPr>
+            <a:spLocks noGrp="1"/>
+          </p:cNvSpPr>
+          <p:nvPr>
+            <p:ph type="title"/>
+          </p:nvPr>
+        </p:nvSpPr>
+        <p:spPr/>
+        <p:txBody>
+          <a:bodyPr/>
+          <a:lstStyle/>
+          <a:p>
+            <a:r>
+              <a:rPr lang="en-CA" b="1" dirty="0"/>
               <a:t>What is Pairwise Testing?</a:t>
             </a:r>
             <a:endParaRPr lang="en-CA" dirty="0"/>
@@ -5940,7 +6127,7 @@
 </p:sld>
 </file>
 
-<file path=ppt/slides/slide14.xml><?xml version="1.0" encoding="utf-8"?>
+<file path=ppt/slides/slide15.xml><?xml version="1.0" encoding="utf-8"?>
 <p:sld xmlns:a="http://schemas.openxmlformats.org/drawingml/2006/main" xmlns:r="http://schemas.openxmlformats.org/officeDocument/2006/relationships" xmlns:p="http://schemas.openxmlformats.org/presentationml/2006/main">
   <p:cSld>
     <p:spTree>
@@ -6042,7 +6229,7 @@
 </p:sld>
 </file>
 
-<file path=ppt/slides/slide15.xml><?xml version="1.0" encoding="utf-8"?>
+<file path=ppt/slides/slide16.xml><?xml version="1.0" encoding="utf-8"?>
 <p:sld xmlns:a="http://schemas.openxmlformats.org/drawingml/2006/main" xmlns:r="http://schemas.openxmlformats.org/officeDocument/2006/relationships" xmlns:p="http://schemas.openxmlformats.org/presentationml/2006/main">
   <p:cSld>
     <p:spTree>
@@ -6118,10 +6305,17 @@
   <p:clrMapOvr>
     <a:masterClrMapping/>
   </p:clrMapOvr>
+  <p:timing>
+    <p:tnLst>
+      <p:par>
+        <p:cTn id="1" dur="indefinite" restart="never" nodeType="tmRoot"/>
+      </p:par>
+    </p:tnLst>
+  </p:timing>
 </p:sld>
 </file>
 
-<file path=ppt/slides/slide16.xml><?xml version="1.0" encoding="utf-8"?>
+<file path=ppt/slides/slide17.xml><?xml version="1.0" encoding="utf-8"?>
 <p:sld xmlns:a="http://schemas.openxmlformats.org/drawingml/2006/main" xmlns:r="http://schemas.openxmlformats.org/officeDocument/2006/relationships" xmlns:p="http://schemas.openxmlformats.org/presentationml/2006/main">
   <p:cSld>
     <p:spTree>
@@ -6196,10 +6390,17 @@
   <p:clrMapOvr>
     <a:masterClrMapping/>
   </p:clrMapOvr>
+  <p:timing>
+    <p:tnLst>
+      <p:par>
+        <p:cTn id="1" dur="indefinite" restart="never" nodeType="tmRoot"/>
+      </p:par>
+    </p:tnLst>
+  </p:timing>
 </p:sld>
 </file>
 
-<file path=ppt/slides/slide17.xml><?xml version="1.0" encoding="utf-8"?>
+<file path=ppt/slides/slide18.xml><?xml version="1.0" encoding="utf-8"?>
 <p:sld xmlns:a="http://schemas.openxmlformats.org/drawingml/2006/main" xmlns:r="http://schemas.openxmlformats.org/officeDocument/2006/relationships" xmlns:p="http://schemas.openxmlformats.org/presentationml/2006/main">
   <p:cSld>
     <p:spTree>
@@ -6298,6 +6499,13 @@
   <p:clrMapOvr>
     <a:masterClrMapping/>
   </p:clrMapOvr>
+  <p:timing>
+    <p:tnLst>
+      <p:par>
+        <p:cTn id="1" dur="indefinite" restart="never" nodeType="tmRoot"/>
+      </p:par>
+    </p:tnLst>
+  </p:timing>
 </p:sld>
 </file>
 
@@ -8135,6 +8343,13 @@
   <p:clrMapOvr>
     <a:masterClrMapping/>
   </p:clrMapOvr>
+  <p:timing>
+    <p:tnLst>
+      <p:par>
+        <p:cTn id="1" dur="indefinite" restart="never" nodeType="tmRoot"/>
+      </p:par>
+    </p:tnLst>
+  </p:timing>
 </p:sld>
 </file>
 
